--- a/wiki/工作总结--赵曈.pptx
+++ b/wiki/工作总结--赵曈.pptx
@@ -202,7 +202,7 @@
           <a:p>
             <a:fld id="{FEC51E7B-423E-4323-9581-C3F6D7605BDD}" type="datetimeFigureOut">
               <a:rPr lang="zh-CN" altLang="en-US" smtClean="0"/>
-              <a:t>2012/6/19</a:t>
+              <a:t>2012/12/10</a:t>
             </a:fld>
             <a:endParaRPr lang="zh-CN" altLang="en-US"/>
           </a:p>
@@ -24631,7 +24631,6 @@
               <a:rPr lang="zh-CN" altLang="en-US" dirty="0"/>
               <a:t>提升计划</a:t>
             </a:r>
-            <a:endParaRPr lang="zh-CN" altLang="en-US" dirty="0"/>
           </a:p>
         </p:txBody>
       </p:sp>
@@ -24736,17 +24735,12 @@
             </a:r>
             <a:r>
               <a:rPr lang="zh-CN" altLang="en-US" dirty="0" smtClean="0"/>
-              <a:t>、</a:t>
-            </a:r>
-            <a:r>
-              <a:rPr lang="zh-CN" altLang="en-US" dirty="0" smtClean="0"/>
-              <a:t>工作</a:t>
+              <a:t>、工作</a:t>
             </a:r>
             <a:r>
               <a:rPr lang="zh-CN" altLang="en-US" dirty="0"/>
               <a:t>回顾</a:t>
             </a:r>
-            <a:endParaRPr lang="zh-CN" altLang="en-US" dirty="0"/>
           </a:p>
         </p:txBody>
       </p:sp>
@@ -24767,11 +24761,11 @@
           <a:p>
             <a:r>
               <a:rPr lang="en-US" altLang="zh-CN" dirty="0" smtClean="0"/>
-              <a:t>EPG</a:t>
+              <a:t>APP</a:t>
             </a:r>
             <a:r>
               <a:rPr lang="zh-CN" altLang="en-US" dirty="0" smtClean="0"/>
-              <a:t>电子节目指南</a:t>
+              <a:t>项目</a:t>
             </a:r>
             <a:endParaRPr lang="en-US" altLang="zh-CN" dirty="0" smtClean="0"/>
           </a:p>
@@ -24780,12 +24774,12 @@
           </a:p>
           <a:p>
             <a:r>
-              <a:rPr lang="zh-CN" altLang="en-US" dirty="0" smtClean="0"/>
-              <a:t>全网搜索及其</a:t>
+              <a:rPr lang="en-US" altLang="zh-CN" dirty="0" smtClean="0"/>
+              <a:t>800C</a:t>
             </a:r>
             <a:r>
               <a:rPr lang="zh-CN" altLang="en-US" dirty="0" smtClean="0"/>
-              <a:t>后续分支</a:t>
+              <a:t>机型项目</a:t>
             </a:r>
             <a:endParaRPr lang="en-US" altLang="zh-CN" dirty="0" smtClean="0"/>
           </a:p>
